--- a/2020-06-04_Presentation.pptx
+++ b/2020-06-04_Presentation.pptx
@@ -410,7 +410,7 @@
           <a:p>
             <a:fld id="{3DBC74CE-C22E-4C86-914D-1C4D32493079}" type="slidenum">
               <a:rPr lang="de-DE" smtClean="0"/>
-              <a:t>‹Nr.›</a:t>
+              <a:t>‹#›</a:t>
             </a:fld>
             <a:endParaRPr lang="de-DE"/>
           </a:p>
@@ -519,6 +519,665 @@
 </p:notesMaster>
 </file>
 
+<file path=ppt/notesSlides/notesSlide1.xml><?xml version="1.0" encoding="utf-8"?>
+<p:notes xmlns:a="http://schemas.openxmlformats.org/drawingml/2006/main" xmlns:r="http://schemas.openxmlformats.org/officeDocument/2006/relationships" xmlns:p="http://schemas.openxmlformats.org/presentationml/2006/main">
+  <p:cSld>
+    <p:spTree>
+      <p:nvGrpSpPr>
+        <p:cNvPr id="1" name=""/>
+        <p:cNvGrpSpPr/>
+        <p:nvPr/>
+      </p:nvGrpSpPr>
+      <p:grpSpPr>
+        <a:xfrm>
+          <a:off x="0" y="0"/>
+          <a:ext cx="0" cy="0"/>
+          <a:chOff x="0" y="0"/>
+          <a:chExt cx="0" cy="0"/>
+        </a:xfrm>
+      </p:grpSpPr>
+      <p:sp>
+        <p:nvSpPr>
+          <p:cNvPr id="2" name="Slide Image Placeholder 1"/>
+          <p:cNvSpPr>
+            <a:spLocks noGrp="1" noRot="1" noChangeAspect="1"/>
+          </p:cNvSpPr>
+          <p:nvPr>
+            <p:ph type="sldImg"/>
+          </p:nvPr>
+        </p:nvSpPr>
+        <p:spPr/>
+      </p:sp>
+      <p:sp>
+        <p:nvSpPr>
+          <p:cNvPr id="3" name="Notes Placeholder 2"/>
+          <p:cNvSpPr>
+            <a:spLocks noGrp="1"/>
+          </p:cNvSpPr>
+          <p:nvPr>
+            <p:ph type="body" idx="1"/>
+          </p:nvPr>
+        </p:nvSpPr>
+        <p:spPr/>
+        <p:txBody>
+          <a:bodyPr/>
+          <a:lstStyle/>
+          <a:p>
+            <a:r>
+              <a:rPr lang="en-US" dirty="0"/>
+              <a:t>Word choice?</a:t>
+            </a:r>
+            <a:endParaRPr lang="en-DE" dirty="0"/>
+          </a:p>
+        </p:txBody>
+      </p:sp>
+      <p:sp>
+        <p:nvSpPr>
+          <p:cNvPr id="4" name="Slide Number Placeholder 3"/>
+          <p:cNvSpPr>
+            <a:spLocks noGrp="1"/>
+          </p:cNvSpPr>
+          <p:nvPr>
+            <p:ph type="sldNum" sz="quarter" idx="5"/>
+          </p:nvPr>
+        </p:nvSpPr>
+        <p:spPr/>
+        <p:txBody>
+          <a:bodyPr/>
+          <a:lstStyle/>
+          <a:p>
+            <a:fld id="{3DBC74CE-C22E-4C86-914D-1C4D32493079}" type="slidenum">
+              <a:rPr lang="de-DE" smtClean="0"/>
+              <a:t>6</a:t>
+            </a:fld>
+            <a:endParaRPr lang="de-DE"/>
+          </a:p>
+        </p:txBody>
+      </p:sp>
+    </p:spTree>
+    <p:extLst>
+      <p:ext uri="{BB962C8B-B14F-4D97-AF65-F5344CB8AC3E}">
+        <p14:creationId xmlns:p14="http://schemas.microsoft.com/office/powerpoint/2010/main" val="2073843685"/>
+      </p:ext>
+    </p:extLst>
+  </p:cSld>
+  <p:clrMapOvr>
+    <a:masterClrMapping/>
+  </p:clrMapOvr>
+</p:notes>
+</file>
+
+<file path=ppt/notesSlides/notesSlide2.xml><?xml version="1.0" encoding="utf-8"?>
+<p:notes xmlns:a="http://schemas.openxmlformats.org/drawingml/2006/main" xmlns:r="http://schemas.openxmlformats.org/officeDocument/2006/relationships" xmlns:p="http://schemas.openxmlformats.org/presentationml/2006/main">
+  <p:cSld>
+    <p:spTree>
+      <p:nvGrpSpPr>
+        <p:cNvPr id="1" name=""/>
+        <p:cNvGrpSpPr/>
+        <p:nvPr/>
+      </p:nvGrpSpPr>
+      <p:grpSpPr>
+        <a:xfrm>
+          <a:off x="0" y="0"/>
+          <a:ext cx="0" cy="0"/>
+          <a:chOff x="0" y="0"/>
+          <a:chExt cx="0" cy="0"/>
+        </a:xfrm>
+      </p:grpSpPr>
+      <p:sp>
+        <p:nvSpPr>
+          <p:cNvPr id="2" name="Slide Image Placeholder 1"/>
+          <p:cNvSpPr>
+            <a:spLocks noGrp="1" noRot="1" noChangeAspect="1"/>
+          </p:cNvSpPr>
+          <p:nvPr>
+            <p:ph type="sldImg"/>
+          </p:nvPr>
+        </p:nvSpPr>
+        <p:spPr/>
+      </p:sp>
+      <p:sp>
+        <p:nvSpPr>
+          <p:cNvPr id="3" name="Notes Placeholder 2"/>
+          <p:cNvSpPr>
+            <a:spLocks noGrp="1"/>
+          </p:cNvSpPr>
+          <p:nvPr>
+            <p:ph type="body" idx="1"/>
+          </p:nvPr>
+        </p:nvSpPr>
+        <p:spPr/>
+        <p:txBody>
+          <a:bodyPr/>
+          <a:lstStyle/>
+          <a:p>
+            <a:r>
+              <a:rPr lang="en-US" dirty="0"/>
+              <a:t>Maybe an explanation in layman’s term instead of citing the paper.</a:t>
+            </a:r>
+            <a:endParaRPr lang="en-DE" dirty="0"/>
+          </a:p>
+        </p:txBody>
+      </p:sp>
+      <p:sp>
+        <p:nvSpPr>
+          <p:cNvPr id="4" name="Slide Number Placeholder 3"/>
+          <p:cNvSpPr>
+            <a:spLocks noGrp="1"/>
+          </p:cNvSpPr>
+          <p:nvPr>
+            <p:ph type="sldNum" sz="quarter" idx="5"/>
+          </p:nvPr>
+        </p:nvSpPr>
+        <p:spPr/>
+        <p:txBody>
+          <a:bodyPr/>
+          <a:lstStyle/>
+          <a:p>
+            <a:fld id="{3DBC74CE-C22E-4C86-914D-1C4D32493079}" type="slidenum">
+              <a:rPr lang="de-DE" smtClean="0"/>
+              <a:t>10</a:t>
+            </a:fld>
+            <a:endParaRPr lang="de-DE"/>
+          </a:p>
+        </p:txBody>
+      </p:sp>
+    </p:spTree>
+    <p:extLst>
+      <p:ext uri="{BB962C8B-B14F-4D97-AF65-F5344CB8AC3E}">
+        <p14:creationId xmlns:p14="http://schemas.microsoft.com/office/powerpoint/2010/main" val="3598012714"/>
+      </p:ext>
+    </p:extLst>
+  </p:cSld>
+  <p:clrMapOvr>
+    <a:masterClrMapping/>
+  </p:clrMapOvr>
+</p:notes>
+</file>
+
+<file path=ppt/notesSlides/notesSlide3.xml><?xml version="1.0" encoding="utf-8"?>
+<p:notes xmlns:a="http://schemas.openxmlformats.org/drawingml/2006/main" xmlns:r="http://schemas.openxmlformats.org/officeDocument/2006/relationships" xmlns:p="http://schemas.openxmlformats.org/presentationml/2006/main">
+  <p:cSld>
+    <p:spTree>
+      <p:nvGrpSpPr>
+        <p:cNvPr id="1" name=""/>
+        <p:cNvGrpSpPr/>
+        <p:nvPr/>
+      </p:nvGrpSpPr>
+      <p:grpSpPr>
+        <a:xfrm>
+          <a:off x="0" y="0"/>
+          <a:ext cx="0" cy="0"/>
+          <a:chOff x="0" y="0"/>
+          <a:chExt cx="0" cy="0"/>
+        </a:xfrm>
+      </p:grpSpPr>
+      <p:sp>
+        <p:nvSpPr>
+          <p:cNvPr id="2" name="Slide Image Placeholder 1"/>
+          <p:cNvSpPr>
+            <a:spLocks noGrp="1" noRot="1" noChangeAspect="1"/>
+          </p:cNvSpPr>
+          <p:nvPr>
+            <p:ph type="sldImg"/>
+          </p:nvPr>
+        </p:nvSpPr>
+        <p:spPr/>
+      </p:sp>
+      <p:sp>
+        <p:nvSpPr>
+          <p:cNvPr id="3" name="Notes Placeholder 2"/>
+          <p:cNvSpPr>
+            <a:spLocks noGrp="1"/>
+          </p:cNvSpPr>
+          <p:nvPr>
+            <p:ph type="body" idx="1"/>
+          </p:nvPr>
+        </p:nvSpPr>
+        <p:spPr/>
+        <p:txBody>
+          <a:bodyPr/>
+          <a:lstStyle/>
+          <a:p>
+            <a:r>
+              <a:rPr lang="en-US" dirty="0"/>
+              <a:t>Lambda not just from the logistics forcing function</a:t>
+            </a:r>
+            <a:endParaRPr lang="en-DE" dirty="0"/>
+          </a:p>
+        </p:txBody>
+      </p:sp>
+      <p:sp>
+        <p:nvSpPr>
+          <p:cNvPr id="4" name="Slide Number Placeholder 3"/>
+          <p:cNvSpPr>
+            <a:spLocks noGrp="1"/>
+          </p:cNvSpPr>
+          <p:nvPr>
+            <p:ph type="sldNum" sz="quarter" idx="5"/>
+          </p:nvPr>
+        </p:nvSpPr>
+        <p:spPr/>
+        <p:txBody>
+          <a:bodyPr/>
+          <a:lstStyle/>
+          <a:p>
+            <a:fld id="{3DBC74CE-C22E-4C86-914D-1C4D32493079}" type="slidenum">
+              <a:rPr lang="de-DE" smtClean="0"/>
+              <a:t>23</a:t>
+            </a:fld>
+            <a:endParaRPr lang="de-DE"/>
+          </a:p>
+        </p:txBody>
+      </p:sp>
+    </p:spTree>
+    <p:extLst>
+      <p:ext uri="{BB962C8B-B14F-4D97-AF65-F5344CB8AC3E}">
+        <p14:creationId xmlns:p14="http://schemas.microsoft.com/office/powerpoint/2010/main" val="1532989867"/>
+      </p:ext>
+    </p:extLst>
+  </p:cSld>
+  <p:clrMapOvr>
+    <a:masterClrMapping/>
+  </p:clrMapOvr>
+</p:notes>
+</file>
+
+<file path=ppt/notesSlides/notesSlide4.xml><?xml version="1.0" encoding="utf-8"?>
+<p:notes xmlns:a="http://schemas.openxmlformats.org/drawingml/2006/main" xmlns:r="http://schemas.openxmlformats.org/officeDocument/2006/relationships" xmlns:p="http://schemas.openxmlformats.org/presentationml/2006/main">
+  <p:cSld>
+    <p:spTree>
+      <p:nvGrpSpPr>
+        <p:cNvPr id="1" name=""/>
+        <p:cNvGrpSpPr/>
+        <p:nvPr/>
+      </p:nvGrpSpPr>
+      <p:grpSpPr>
+        <a:xfrm>
+          <a:off x="0" y="0"/>
+          <a:ext cx="0" cy="0"/>
+          <a:chOff x="0" y="0"/>
+          <a:chExt cx="0" cy="0"/>
+        </a:xfrm>
+      </p:grpSpPr>
+      <p:sp>
+        <p:nvSpPr>
+          <p:cNvPr id="2" name="Slide Image Placeholder 1"/>
+          <p:cNvSpPr>
+            <a:spLocks noGrp="1" noRot="1" noChangeAspect="1"/>
+          </p:cNvSpPr>
+          <p:nvPr>
+            <p:ph type="sldImg"/>
+          </p:nvPr>
+        </p:nvSpPr>
+        <p:spPr/>
+      </p:sp>
+      <p:sp>
+        <p:nvSpPr>
+          <p:cNvPr id="3" name="Notes Placeholder 2"/>
+          <p:cNvSpPr>
+            <a:spLocks noGrp="1"/>
+          </p:cNvSpPr>
+          <p:nvPr>
+            <p:ph type="body" idx="1"/>
+          </p:nvPr>
+        </p:nvSpPr>
+        <p:spPr/>
+        <p:txBody>
+          <a:bodyPr/>
+          <a:lstStyle/>
+          <a:p>
+            <a:r>
+              <a:rPr lang="en-US" dirty="0"/>
+              <a:t>Incubation period 1</a:t>
+            </a:r>
+            <a:endParaRPr lang="en-DE" dirty="0"/>
+          </a:p>
+        </p:txBody>
+      </p:sp>
+      <p:sp>
+        <p:nvSpPr>
+          <p:cNvPr id="4" name="Slide Number Placeholder 3"/>
+          <p:cNvSpPr>
+            <a:spLocks noGrp="1"/>
+          </p:cNvSpPr>
+          <p:nvPr>
+            <p:ph type="sldNum" sz="quarter" idx="5"/>
+          </p:nvPr>
+        </p:nvSpPr>
+        <p:spPr/>
+        <p:txBody>
+          <a:bodyPr/>
+          <a:lstStyle/>
+          <a:p>
+            <a:fld id="{3DBC74CE-C22E-4C86-914D-1C4D32493079}" type="slidenum">
+              <a:rPr lang="de-DE" smtClean="0"/>
+              <a:t>24</a:t>
+            </a:fld>
+            <a:endParaRPr lang="de-DE"/>
+          </a:p>
+        </p:txBody>
+      </p:sp>
+    </p:spTree>
+    <p:extLst>
+      <p:ext uri="{BB962C8B-B14F-4D97-AF65-F5344CB8AC3E}">
+        <p14:creationId xmlns:p14="http://schemas.microsoft.com/office/powerpoint/2010/main" val="2913895823"/>
+      </p:ext>
+    </p:extLst>
+  </p:cSld>
+  <p:clrMapOvr>
+    <a:masterClrMapping/>
+  </p:clrMapOvr>
+</p:notes>
+</file>
+
+<file path=ppt/notesSlides/notesSlide5.xml><?xml version="1.0" encoding="utf-8"?>
+<p:notes xmlns:a="http://schemas.openxmlformats.org/drawingml/2006/main" xmlns:r="http://schemas.openxmlformats.org/officeDocument/2006/relationships" xmlns:p="http://schemas.openxmlformats.org/presentationml/2006/main">
+  <p:cSld>
+    <p:spTree>
+      <p:nvGrpSpPr>
+        <p:cNvPr id="1" name=""/>
+        <p:cNvGrpSpPr/>
+        <p:nvPr/>
+      </p:nvGrpSpPr>
+      <p:grpSpPr>
+        <a:xfrm>
+          <a:off x="0" y="0"/>
+          <a:ext cx="0" cy="0"/>
+          <a:chOff x="0" y="0"/>
+          <a:chExt cx="0" cy="0"/>
+        </a:xfrm>
+      </p:grpSpPr>
+      <p:sp>
+        <p:nvSpPr>
+          <p:cNvPr id="2" name="Slide Image Placeholder 1"/>
+          <p:cNvSpPr>
+            <a:spLocks noGrp="1" noRot="1" noChangeAspect="1"/>
+          </p:cNvSpPr>
+          <p:nvPr>
+            <p:ph type="sldImg"/>
+          </p:nvPr>
+        </p:nvSpPr>
+        <p:spPr/>
+      </p:sp>
+      <p:sp>
+        <p:nvSpPr>
+          <p:cNvPr id="3" name="Notes Placeholder 2"/>
+          <p:cNvSpPr>
+            <a:spLocks noGrp="1"/>
+          </p:cNvSpPr>
+          <p:nvPr>
+            <p:ph type="body" idx="1"/>
+          </p:nvPr>
+        </p:nvSpPr>
+        <p:spPr/>
+        <p:txBody>
+          <a:bodyPr/>
+          <a:lstStyle/>
+          <a:p>
+            <a:r>
+              <a:rPr lang="en-US" dirty="0"/>
+              <a:t>Incubation period 2</a:t>
+            </a:r>
+            <a:endParaRPr lang="en-DE" dirty="0"/>
+          </a:p>
+        </p:txBody>
+      </p:sp>
+      <p:sp>
+        <p:nvSpPr>
+          <p:cNvPr id="4" name="Slide Number Placeholder 3"/>
+          <p:cNvSpPr>
+            <a:spLocks noGrp="1"/>
+          </p:cNvSpPr>
+          <p:nvPr>
+            <p:ph type="sldNum" sz="quarter" idx="5"/>
+          </p:nvPr>
+        </p:nvSpPr>
+        <p:spPr/>
+        <p:txBody>
+          <a:bodyPr/>
+          <a:lstStyle/>
+          <a:p>
+            <a:fld id="{3DBC74CE-C22E-4C86-914D-1C4D32493079}" type="slidenum">
+              <a:rPr lang="de-DE" smtClean="0"/>
+              <a:t>25</a:t>
+            </a:fld>
+            <a:endParaRPr lang="de-DE"/>
+          </a:p>
+        </p:txBody>
+      </p:sp>
+    </p:spTree>
+    <p:extLst>
+      <p:ext uri="{BB962C8B-B14F-4D97-AF65-F5344CB8AC3E}">
+        <p14:creationId xmlns:p14="http://schemas.microsoft.com/office/powerpoint/2010/main" val="844479595"/>
+      </p:ext>
+    </p:extLst>
+  </p:cSld>
+  <p:clrMapOvr>
+    <a:masterClrMapping/>
+  </p:clrMapOvr>
+</p:notes>
+</file>
+
+<file path=ppt/notesSlides/notesSlide6.xml><?xml version="1.0" encoding="utf-8"?>
+<p:notes xmlns:a="http://schemas.openxmlformats.org/drawingml/2006/main" xmlns:r="http://schemas.openxmlformats.org/officeDocument/2006/relationships" xmlns:p="http://schemas.openxmlformats.org/presentationml/2006/main">
+  <p:cSld>
+    <p:spTree>
+      <p:nvGrpSpPr>
+        <p:cNvPr id="1" name=""/>
+        <p:cNvGrpSpPr/>
+        <p:nvPr/>
+      </p:nvGrpSpPr>
+      <p:grpSpPr>
+        <a:xfrm>
+          <a:off x="0" y="0"/>
+          <a:ext cx="0" cy="0"/>
+          <a:chOff x="0" y="0"/>
+          <a:chExt cx="0" cy="0"/>
+        </a:xfrm>
+      </p:grpSpPr>
+      <p:sp>
+        <p:nvSpPr>
+          <p:cNvPr id="2" name="Slide Image Placeholder 1"/>
+          <p:cNvSpPr>
+            <a:spLocks noGrp="1" noRot="1" noChangeAspect="1"/>
+          </p:cNvSpPr>
+          <p:nvPr>
+            <p:ph type="sldImg"/>
+          </p:nvPr>
+        </p:nvSpPr>
+        <p:spPr/>
+      </p:sp>
+      <p:sp>
+        <p:nvSpPr>
+          <p:cNvPr id="3" name="Notes Placeholder 2"/>
+          <p:cNvSpPr>
+            <a:spLocks noGrp="1"/>
+          </p:cNvSpPr>
+          <p:nvPr>
+            <p:ph type="body" idx="1"/>
+          </p:nvPr>
+        </p:nvSpPr>
+        <p:spPr/>
+        <p:txBody>
+          <a:bodyPr/>
+          <a:lstStyle/>
+          <a:p>
+            <a:endParaRPr lang="en-DE" dirty="0"/>
+          </a:p>
+        </p:txBody>
+      </p:sp>
+      <p:sp>
+        <p:nvSpPr>
+          <p:cNvPr id="4" name="Slide Number Placeholder 3"/>
+          <p:cNvSpPr>
+            <a:spLocks noGrp="1"/>
+          </p:cNvSpPr>
+          <p:nvPr>
+            <p:ph type="sldNum" sz="quarter" idx="5"/>
+          </p:nvPr>
+        </p:nvSpPr>
+        <p:spPr/>
+        <p:txBody>
+          <a:bodyPr/>
+          <a:lstStyle/>
+          <a:p>
+            <a:fld id="{3DBC74CE-C22E-4C86-914D-1C4D32493079}" type="slidenum">
+              <a:rPr lang="de-DE" smtClean="0"/>
+              <a:t>35</a:t>
+            </a:fld>
+            <a:endParaRPr lang="de-DE"/>
+          </a:p>
+        </p:txBody>
+      </p:sp>
+    </p:spTree>
+    <p:extLst>
+      <p:ext uri="{BB962C8B-B14F-4D97-AF65-F5344CB8AC3E}">
+        <p14:creationId xmlns:p14="http://schemas.microsoft.com/office/powerpoint/2010/main" val="1663195948"/>
+      </p:ext>
+    </p:extLst>
+  </p:cSld>
+  <p:clrMapOvr>
+    <a:masterClrMapping/>
+  </p:clrMapOvr>
+</p:notes>
+</file>
+
+<file path=ppt/notesSlides/notesSlide7.xml><?xml version="1.0" encoding="utf-8"?>
+<p:notes xmlns:a="http://schemas.openxmlformats.org/drawingml/2006/main" xmlns:r="http://schemas.openxmlformats.org/officeDocument/2006/relationships" xmlns:p="http://schemas.openxmlformats.org/presentationml/2006/main">
+  <p:cSld>
+    <p:spTree>
+      <p:nvGrpSpPr>
+        <p:cNvPr id="1" name=""/>
+        <p:cNvGrpSpPr/>
+        <p:nvPr/>
+      </p:nvGrpSpPr>
+      <p:grpSpPr>
+        <a:xfrm>
+          <a:off x="0" y="0"/>
+          <a:ext cx="0" cy="0"/>
+          <a:chOff x="0" y="0"/>
+          <a:chExt cx="0" cy="0"/>
+        </a:xfrm>
+      </p:grpSpPr>
+      <p:sp>
+        <p:nvSpPr>
+          <p:cNvPr id="2" name="Slide Image Placeholder 1"/>
+          <p:cNvSpPr>
+            <a:spLocks noGrp="1" noRot="1" noChangeAspect="1"/>
+          </p:cNvSpPr>
+          <p:nvPr>
+            <p:ph type="sldImg"/>
+          </p:nvPr>
+        </p:nvSpPr>
+        <p:spPr/>
+      </p:sp>
+      <p:sp>
+        <p:nvSpPr>
+          <p:cNvPr id="3" name="Notes Placeholder 2"/>
+          <p:cNvSpPr>
+            <a:spLocks noGrp="1"/>
+          </p:cNvSpPr>
+          <p:nvPr>
+            <p:ph type="body" idx="1"/>
+          </p:nvPr>
+        </p:nvSpPr>
+        <p:spPr/>
+        <p:txBody>
+          <a:bodyPr/>
+          <a:lstStyle/>
+          <a:p>
+            <a:r>
+              <a:rPr lang="en-US" dirty="0"/>
+              <a:t>Why forcing function?</a:t>
+            </a:r>
+          </a:p>
+          <a:p>
+            <a:endParaRPr lang="en-US" dirty="0"/>
+          </a:p>
+          <a:p>
+            <a:r>
+              <a:rPr lang="en-US" dirty="0"/>
+              <a:t>Model Extension: </a:t>
+            </a:r>
+          </a:p>
+          <a:p>
+            <a:pPr marL="171450" indent="-171450">
+              <a:buFontTx/>
+              <a:buChar char="-"/>
+            </a:pPr>
+            <a:r>
+              <a:rPr lang="en-US" dirty="0"/>
+              <a:t>In 2</a:t>
+            </a:r>
+            <a:r>
+              <a:rPr lang="en-US" baseline="30000" dirty="0"/>
+              <a:t>nd</a:t>
+            </a:r>
+            <a:r>
+              <a:rPr lang="en-US" dirty="0"/>
+              <a:t> version of the paper: control measure only applied for China, asymptomatic cases are assumed not infectious -&gt; originally the points for improvement</a:t>
+            </a:r>
+          </a:p>
+          <a:p>
+            <a:pPr marL="171450" indent="-171450">
+              <a:buFontTx/>
+              <a:buChar char="-"/>
+            </a:pPr>
+            <a:r>
+              <a:rPr lang="en-US" dirty="0"/>
+              <a:t>All are addressed in the latest version.</a:t>
+            </a:r>
+          </a:p>
+          <a:p>
+            <a:pPr marL="171450" indent="-171450">
+              <a:buFontTx/>
+              <a:buChar char="-"/>
+            </a:pPr>
+            <a:r>
+              <a:rPr lang="en-US" dirty="0"/>
+              <a:t>Possible: Apply model using other data</a:t>
+            </a:r>
+            <a:endParaRPr lang="en-DE" dirty="0"/>
+          </a:p>
+        </p:txBody>
+      </p:sp>
+      <p:sp>
+        <p:nvSpPr>
+          <p:cNvPr id="4" name="Slide Number Placeholder 3"/>
+          <p:cNvSpPr>
+            <a:spLocks noGrp="1"/>
+          </p:cNvSpPr>
+          <p:nvPr>
+            <p:ph type="sldNum" sz="quarter" idx="5"/>
+          </p:nvPr>
+        </p:nvSpPr>
+        <p:spPr/>
+        <p:txBody>
+          <a:bodyPr/>
+          <a:lstStyle/>
+          <a:p>
+            <a:fld id="{3DBC74CE-C22E-4C86-914D-1C4D32493079}" type="slidenum">
+              <a:rPr lang="de-DE" smtClean="0"/>
+              <a:t>36</a:t>
+            </a:fld>
+            <a:endParaRPr lang="de-DE"/>
+          </a:p>
+        </p:txBody>
+      </p:sp>
+    </p:spTree>
+    <p:extLst>
+      <p:ext uri="{BB962C8B-B14F-4D97-AF65-F5344CB8AC3E}">
+        <p14:creationId xmlns:p14="http://schemas.microsoft.com/office/powerpoint/2010/main" val="2974905487"/>
+      </p:ext>
+    </p:extLst>
+  </p:cSld>
+  <p:clrMapOvr>
+    <a:masterClrMapping/>
+  </p:clrMapOvr>
+</p:notes>
+</file>
+
 <file path=ppt/slideLayouts/slideLayout1.xml><?xml version="1.0" encoding="utf-8"?>
 <p:sldLayout xmlns:a="http://schemas.openxmlformats.org/drawingml/2006/main" xmlns:r="http://schemas.openxmlformats.org/officeDocument/2006/relationships" xmlns:p="http://schemas.openxmlformats.org/presentationml/2006/main" type="title" preserve="1">
   <p:cSld name="Titelfolie">
@@ -707,7 +1366,7 @@
           <a:p>
             <a:fld id="{87C1FC09-2663-48E2-AFF5-C8982354D4D3}" type="slidenum">
               <a:rPr lang="de-DE" smtClean="0"/>
-              <a:t>‹Nr.›</a:t>
+              <a:t>‹#›</a:t>
             </a:fld>
             <a:endParaRPr lang="de-DE" dirty="0"/>
           </a:p>
@@ -868,7 +1527,7 @@
           <a:p>
             <a:fld id="{87C1FC09-2663-48E2-AFF5-C8982354D4D3}" type="slidenum">
               <a:rPr lang="de-DE" smtClean="0"/>
-              <a:t>‹Nr.›</a:t>
+              <a:t>‹#›</a:t>
             </a:fld>
             <a:endParaRPr lang="de-DE"/>
           </a:p>
@@ -1001,7 +1660,7 @@
           <a:p>
             <a:fld id="{87C1FC09-2663-48E2-AFF5-C8982354D4D3}" type="slidenum">
               <a:rPr lang="de-DE" smtClean="0"/>
-              <a:t>‹Nr.›</a:t>
+              <a:t>‹#›</a:t>
             </a:fld>
             <a:endParaRPr lang="de-DE"/>
           </a:p>
@@ -1332,7 +1991,7 @@
           <a:p>
             <a:fld id="{87C1FC09-2663-48E2-AFF5-C8982354D4D3}" type="slidenum">
               <a:rPr lang="de-DE" smtClean="0"/>
-              <a:t>‹Nr.›</a:t>
+              <a:t>‹#›</a:t>
             </a:fld>
             <a:endParaRPr lang="de-DE"/>
           </a:p>
@@ -1640,7 +2299,7 @@
           <a:p>
             <a:fld id="{87C1FC09-2663-48E2-AFF5-C8982354D4D3}" type="slidenum">
               <a:rPr lang="de-DE" smtClean="0"/>
-              <a:t>‹Nr.›</a:t>
+              <a:t>‹#›</a:t>
             </a:fld>
             <a:endParaRPr lang="de-DE"/>
           </a:p>
@@ -1858,7 +2517,7 @@
           <a:p>
             <a:fld id="{87C1FC09-2663-48E2-AFF5-C8982354D4D3}" type="slidenum">
               <a:rPr lang="de-DE" smtClean="0"/>
-              <a:t>‹Nr.›</a:t>
+              <a:t>‹#›</a:t>
             </a:fld>
             <a:endParaRPr lang="de-DE"/>
           </a:p>
@@ -2086,7 +2745,7 @@
           <a:p>
             <a:fld id="{87C1FC09-2663-48E2-AFF5-C8982354D4D3}" type="slidenum">
               <a:rPr lang="de-DE" smtClean="0"/>
-              <a:t>‹Nr.›</a:t>
+              <a:t>‹#›</a:t>
             </a:fld>
             <a:endParaRPr lang="de-DE"/>
           </a:p>
@@ -2310,7 +2969,7 @@
           <a:p>
             <a:fld id="{87C1FC09-2663-48E2-AFF5-C8982354D4D3}" type="slidenum">
               <a:rPr lang="de-DE" smtClean="0"/>
-              <a:t>‹Nr.›</a:t>
+              <a:t>‹#›</a:t>
             </a:fld>
             <a:endParaRPr lang="de-DE"/>
           </a:p>
@@ -4814,7 +5473,7 @@
           <a:p>
             <a:fld id="{87C1FC09-2663-48E2-AFF5-C8982354D4D3}" type="slidenum">
               <a:rPr lang="de-DE" smtClean="0"/>
-              <a:t>‹Nr.›</a:t>
+              <a:t>‹#›</a:t>
             </a:fld>
             <a:endParaRPr lang="de-DE"/>
           </a:p>
@@ -5032,7 +5691,7 @@
           <a:p>
             <a:fld id="{87C1FC09-2663-48E2-AFF5-C8982354D4D3}" type="slidenum">
               <a:rPr lang="de-DE" smtClean="0"/>
-              <a:t>‹Nr.›</a:t>
+              <a:t>‹#›</a:t>
             </a:fld>
             <a:endParaRPr lang="de-DE"/>
           </a:p>
@@ -5251,7 +5910,7 @@
           <a:p>
             <a:fld id="{87C1FC09-2663-48E2-AFF5-C8982354D4D3}" type="slidenum">
               <a:rPr lang="de-DE" smtClean="0"/>
-              <a:t>‹Nr.›</a:t>
+              <a:t>‹#›</a:t>
             </a:fld>
             <a:endParaRPr lang="de-DE"/>
           </a:p>
@@ -7674,7 +8333,7 @@
           <a:p>
             <a:fld id="{87C1FC09-2663-48E2-AFF5-C8982354D4D3}" type="slidenum">
               <a:rPr lang="de-DE" smtClean="0"/>
-              <a:t>‹Nr.›</a:t>
+              <a:t>‹#›</a:t>
             </a:fld>
             <a:endParaRPr lang="de-DE"/>
           </a:p>
@@ -9098,7 +9757,7 @@
           <a:p>
             <a:fld id="{87C1FC09-2663-48E2-AFF5-C8982354D4D3}" type="slidenum">
               <a:rPr lang="de-DE" smtClean="0"/>
-              <a:t>‹Nr.›</a:t>
+              <a:t>‹#›</a:t>
             </a:fld>
             <a:endParaRPr lang="de-DE"/>
           </a:p>
@@ -9383,7 +10042,7 @@
           <a:p>
             <a:fld id="{87C1FC09-2663-48E2-AFF5-C8982354D4D3}" type="slidenum">
               <a:rPr lang="de-DE" smtClean="0"/>
-              <a:t>‹Nr.›</a:t>
+              <a:t>‹#›</a:t>
             </a:fld>
             <a:endParaRPr lang="de-DE"/>
           </a:p>
@@ -9815,7 +10474,7 @@
           <a:p>
             <a:fld id="{87C1FC09-2663-48E2-AFF5-C8982354D4D3}" type="slidenum">
               <a:rPr lang="de-DE" smtClean="0"/>
-              <a:t>‹Nr.›</a:t>
+              <a:t>‹#›</a:t>
             </a:fld>
             <a:endParaRPr lang="de-DE"/>
           </a:p>
@@ -10047,7 +10706,7 @@
           <a:p>
             <a:fld id="{77C07F71-7668-4F1C-A676-F8B68A4A2A83}" type="slidenum">
               <a:rPr lang="de-DE" smtClean="0"/>
-              <a:t>‹Nr.›</a:t>
+              <a:t>‹#›</a:t>
             </a:fld>
             <a:r>
               <a:rPr lang="de-DE" dirty="0"/>
@@ -10567,7 +11226,7 @@
             </a:r>
             <a:r>
               <a:rPr lang="en-GB" dirty="0"/>
-              <a:t>, Hsin-Yu Ku, Chân Le, Lukas Schmid</a:t>
+              <a:t>, Hsin-Yu Ku, Chân Lê, Lukas Schmid</a:t>
             </a:r>
           </a:p>
           <a:p>
@@ -22302,7 +22961,7 @@
                 <a:ext cx="10515600" cy="1764242"/>
               </a:xfrm>
               <a:blipFill>
-                <a:blip r:embed="rId2"/>
+                <a:blip r:embed="rId3"/>
                 <a:stretch>
                   <a:fillRect t="-5517"/>
                 </a:stretch>
@@ -22699,7 +23358,7 @@
                 <a:ext cx="10515600" cy="1950508"/>
               </a:xfrm>
               <a:blipFill>
-                <a:blip r:embed="rId2"/>
+                <a:blip r:embed="rId3"/>
                 <a:stretch>
                   <a:fillRect t="-938"/>
                 </a:stretch>
@@ -22969,7 +23628,7 @@
                 <a:ext cx="10515600" cy="1950508"/>
               </a:xfrm>
               <a:blipFill>
-                <a:blip r:embed="rId2"/>
+                <a:blip r:embed="rId3"/>
                 <a:stretch>
                   <a:fillRect t="-938"/>
                 </a:stretch>
@@ -27680,7 +28339,7 @@
           <p:nvPr/>
         </p:nvPicPr>
         <p:blipFill>
-          <a:blip r:embed="rId2"/>
+          <a:blip r:embed="rId3"/>
           <a:stretch>
             <a:fillRect/>
           </a:stretch>
@@ -28946,13 +29605,10 @@
             <p:nvPr/>
           </p:nvPicPr>
           <p:blipFill>
-            <a:blip r:embed="rId3">
+            <a:blip>
               <a:extLst>
                 <a:ext uri="{28A0092B-C50C-407E-A947-70E740481C1C}">
                   <a14:useLocalDpi xmlns:a14="http://schemas.microsoft.com/office/drawing/2010/main" val="0"/>
-                </a:ext>
-                <a:ext uri="{96DAC541-7B7A-43D3-8B79-37D633B846F1}">
-                  <asvg:svgBlip xmlns:asvg="http://schemas.microsoft.com/office/drawing/2016/SVG/main" r:embed="rId3"/>
                 </a:ext>
               </a:extLst>
             </a:blip>
@@ -28985,13 +29641,10 @@
             <p:nvPr/>
           </p:nvPicPr>
           <p:blipFill>
-            <a:blip r:embed="rId3">
+            <a:blip>
               <a:extLst>
                 <a:ext uri="{28A0092B-C50C-407E-A947-70E740481C1C}">
                   <a14:useLocalDpi xmlns:a14="http://schemas.microsoft.com/office/drawing/2010/main" val="0"/>
-                </a:ext>
-                <a:ext uri="{96DAC541-7B7A-43D3-8B79-37D633B846F1}">
-                  <asvg:svgBlip xmlns:asvg="http://schemas.microsoft.com/office/drawing/2016/SVG/main" r:embed="rId3"/>
                 </a:ext>
               </a:extLst>
             </a:blip>
@@ -29024,13 +29677,10 @@
             <p:nvPr/>
           </p:nvPicPr>
           <p:blipFill>
-            <a:blip r:embed="rId3">
+            <a:blip>
               <a:extLst>
                 <a:ext uri="{28A0092B-C50C-407E-A947-70E740481C1C}">
                   <a14:useLocalDpi xmlns:a14="http://schemas.microsoft.com/office/drawing/2010/main" val="0"/>
-                </a:ext>
-                <a:ext uri="{96DAC541-7B7A-43D3-8B79-37D633B846F1}">
-                  <asvg:svgBlip xmlns:asvg="http://schemas.microsoft.com/office/drawing/2016/SVG/main" r:embed="rId3"/>
                 </a:ext>
               </a:extLst>
             </a:blip>
@@ -29063,13 +29713,10 @@
             <p:nvPr/>
           </p:nvPicPr>
           <p:blipFill>
-            <a:blip r:embed="rId3">
+            <a:blip>
               <a:extLst>
                 <a:ext uri="{28A0092B-C50C-407E-A947-70E740481C1C}">
                   <a14:useLocalDpi xmlns:a14="http://schemas.microsoft.com/office/drawing/2010/main" val="0"/>
-                </a:ext>
-                <a:ext uri="{96DAC541-7B7A-43D3-8B79-37D633B846F1}">
-                  <asvg:svgBlip xmlns:asvg="http://schemas.microsoft.com/office/drawing/2016/SVG/main" r:embed="rId3"/>
                 </a:ext>
               </a:extLst>
             </a:blip>
@@ -29102,13 +29749,10 @@
             <p:nvPr/>
           </p:nvPicPr>
           <p:blipFill>
-            <a:blip r:embed="rId3">
+            <a:blip>
               <a:extLst>
                 <a:ext uri="{28A0092B-C50C-407E-A947-70E740481C1C}">
                   <a14:useLocalDpi xmlns:a14="http://schemas.microsoft.com/office/drawing/2010/main" val="0"/>
-                </a:ext>
-                <a:ext uri="{96DAC541-7B7A-43D3-8B79-37D633B846F1}">
-                  <asvg:svgBlip xmlns:asvg="http://schemas.microsoft.com/office/drawing/2016/SVG/main" r:embed="rId3"/>
                 </a:ext>
               </a:extLst>
             </a:blip>
@@ -29141,13 +29785,10 @@
             <p:nvPr/>
           </p:nvPicPr>
           <p:blipFill>
-            <a:blip r:embed="rId3">
+            <a:blip>
               <a:extLst>
                 <a:ext uri="{28A0092B-C50C-407E-A947-70E740481C1C}">
                   <a14:useLocalDpi xmlns:a14="http://schemas.microsoft.com/office/drawing/2010/main" val="0"/>
-                </a:ext>
-                <a:ext uri="{96DAC541-7B7A-43D3-8B79-37D633B846F1}">
-                  <asvg:svgBlip xmlns:asvg="http://schemas.microsoft.com/office/drawing/2016/SVG/main" r:embed="rId3"/>
                 </a:ext>
               </a:extLst>
             </a:blip>
@@ -29180,13 +29821,10 @@
             <p:nvPr/>
           </p:nvPicPr>
           <p:blipFill>
-            <a:blip r:embed="rId3">
+            <a:blip>
               <a:extLst>
                 <a:ext uri="{28A0092B-C50C-407E-A947-70E740481C1C}">
                   <a14:useLocalDpi xmlns:a14="http://schemas.microsoft.com/office/drawing/2010/main" val="0"/>
-                </a:ext>
-                <a:ext uri="{96DAC541-7B7A-43D3-8B79-37D633B846F1}">
-                  <asvg:svgBlip xmlns:asvg="http://schemas.microsoft.com/office/drawing/2016/SVG/main" r:embed="rId3"/>
                 </a:ext>
               </a:extLst>
             </a:blip>
@@ -29219,13 +29857,10 @@
             <p:nvPr/>
           </p:nvPicPr>
           <p:blipFill>
-            <a:blip r:embed="rId3">
+            <a:blip>
               <a:extLst>
                 <a:ext uri="{28A0092B-C50C-407E-A947-70E740481C1C}">
                   <a14:useLocalDpi xmlns:a14="http://schemas.microsoft.com/office/drawing/2010/main" val="0"/>
-                </a:ext>
-                <a:ext uri="{96DAC541-7B7A-43D3-8B79-37D633B846F1}">
-                  <asvg:svgBlip xmlns:asvg="http://schemas.microsoft.com/office/drawing/2016/SVG/main" r:embed="rId3"/>
                 </a:ext>
               </a:extLst>
             </a:blip>
@@ -29258,13 +29893,10 @@
             <p:nvPr/>
           </p:nvPicPr>
           <p:blipFill>
-            <a:blip r:embed="rId3">
+            <a:blip>
               <a:extLst>
                 <a:ext uri="{28A0092B-C50C-407E-A947-70E740481C1C}">
                   <a14:useLocalDpi xmlns:a14="http://schemas.microsoft.com/office/drawing/2010/main" val="0"/>
-                </a:ext>
-                <a:ext uri="{96DAC541-7B7A-43D3-8B79-37D633B846F1}">
-                  <asvg:svgBlip xmlns:asvg="http://schemas.microsoft.com/office/drawing/2016/SVG/main" r:embed="rId3"/>
                 </a:ext>
               </a:extLst>
             </a:blip>
@@ -29297,13 +29929,10 @@
             <p:nvPr/>
           </p:nvPicPr>
           <p:blipFill>
-            <a:blip r:embed="rId3">
+            <a:blip>
               <a:extLst>
                 <a:ext uri="{28A0092B-C50C-407E-A947-70E740481C1C}">
                   <a14:useLocalDpi xmlns:a14="http://schemas.microsoft.com/office/drawing/2010/main" val="0"/>
-                </a:ext>
-                <a:ext uri="{96DAC541-7B7A-43D3-8B79-37D633B846F1}">
-                  <asvg:svgBlip xmlns:asvg="http://schemas.microsoft.com/office/drawing/2016/SVG/main" r:embed="rId3"/>
                 </a:ext>
               </a:extLst>
             </a:blip>
@@ -29336,13 +29965,10 @@
             <p:nvPr/>
           </p:nvPicPr>
           <p:blipFill>
-            <a:blip r:embed="rId3">
+            <a:blip>
               <a:extLst>
                 <a:ext uri="{28A0092B-C50C-407E-A947-70E740481C1C}">
                   <a14:useLocalDpi xmlns:a14="http://schemas.microsoft.com/office/drawing/2010/main" val="0"/>
-                </a:ext>
-                <a:ext uri="{96DAC541-7B7A-43D3-8B79-37D633B846F1}">
-                  <asvg:svgBlip xmlns:asvg="http://schemas.microsoft.com/office/drawing/2016/SVG/main" r:embed="rId3"/>
                 </a:ext>
               </a:extLst>
             </a:blip>
@@ -29375,13 +30001,10 @@
             <p:nvPr/>
           </p:nvPicPr>
           <p:blipFill>
-            <a:blip r:embed="rId3">
+            <a:blip>
               <a:extLst>
                 <a:ext uri="{28A0092B-C50C-407E-A947-70E740481C1C}">
                   <a14:useLocalDpi xmlns:a14="http://schemas.microsoft.com/office/drawing/2010/main" val="0"/>
-                </a:ext>
-                <a:ext uri="{96DAC541-7B7A-43D3-8B79-37D633B846F1}">
-                  <asvg:svgBlip xmlns:asvg="http://schemas.microsoft.com/office/drawing/2016/SVG/main" r:embed="rId3"/>
                 </a:ext>
               </a:extLst>
             </a:blip>
@@ -29979,13 +30602,10 @@
           <p:nvPr/>
         </p:nvPicPr>
         <p:blipFill>
-          <a:blip r:embed="rId3">
+          <a:blip>
             <a:extLst>
               <a:ext uri="{28A0092B-C50C-407E-A947-70E740481C1C}">
                 <a14:useLocalDpi xmlns:a14="http://schemas.microsoft.com/office/drawing/2010/main" val="0"/>
-              </a:ext>
-              <a:ext uri="{96DAC541-7B7A-43D3-8B79-37D633B846F1}">
-                <asvg:svgBlip xmlns:asvg="http://schemas.microsoft.com/office/drawing/2016/SVG/main" r:embed="rId3"/>
               </a:ext>
             </a:extLst>
           </a:blip>
@@ -30038,13 +30658,10 @@
             <p:nvPr/>
           </p:nvPicPr>
           <p:blipFill>
-            <a:blip r:embed="rId3">
+            <a:blip>
               <a:extLst>
                 <a:ext uri="{28A0092B-C50C-407E-A947-70E740481C1C}">
                   <a14:useLocalDpi xmlns:a14="http://schemas.microsoft.com/office/drawing/2010/main" val="0"/>
-                </a:ext>
-                <a:ext uri="{96DAC541-7B7A-43D3-8B79-37D633B846F1}">
-                  <asvg:svgBlip xmlns:asvg="http://schemas.microsoft.com/office/drawing/2016/SVG/main" r:embed="rId3"/>
                 </a:ext>
               </a:extLst>
             </a:blip>
@@ -30077,13 +30694,10 @@
             <p:nvPr/>
           </p:nvPicPr>
           <p:blipFill>
-            <a:blip r:embed="rId3">
+            <a:blip>
               <a:extLst>
                 <a:ext uri="{28A0092B-C50C-407E-A947-70E740481C1C}">
                   <a14:useLocalDpi xmlns:a14="http://schemas.microsoft.com/office/drawing/2010/main" val="0"/>
-                </a:ext>
-                <a:ext uri="{96DAC541-7B7A-43D3-8B79-37D633B846F1}">
-                  <asvg:svgBlip xmlns:asvg="http://schemas.microsoft.com/office/drawing/2016/SVG/main" r:embed="rId3"/>
                 </a:ext>
               </a:extLst>
             </a:blip>
@@ -30116,13 +30730,10 @@
             <p:nvPr/>
           </p:nvPicPr>
           <p:blipFill>
-            <a:blip r:embed="rId3">
+            <a:blip>
               <a:extLst>
                 <a:ext uri="{28A0092B-C50C-407E-A947-70E740481C1C}">
                   <a14:useLocalDpi xmlns:a14="http://schemas.microsoft.com/office/drawing/2010/main" val="0"/>
-                </a:ext>
-                <a:ext uri="{96DAC541-7B7A-43D3-8B79-37D633B846F1}">
-                  <asvg:svgBlip xmlns:asvg="http://schemas.microsoft.com/office/drawing/2016/SVG/main" r:embed="rId3"/>
                 </a:ext>
               </a:extLst>
             </a:blip>
@@ -30155,13 +30766,10 @@
             <p:nvPr/>
           </p:nvPicPr>
           <p:blipFill>
-            <a:blip r:embed="rId3">
+            <a:blip>
               <a:extLst>
                 <a:ext uri="{28A0092B-C50C-407E-A947-70E740481C1C}">
                   <a14:useLocalDpi xmlns:a14="http://schemas.microsoft.com/office/drawing/2010/main" val="0"/>
-                </a:ext>
-                <a:ext uri="{96DAC541-7B7A-43D3-8B79-37D633B846F1}">
-                  <asvg:svgBlip xmlns:asvg="http://schemas.microsoft.com/office/drawing/2016/SVG/main" r:embed="rId3"/>
                 </a:ext>
               </a:extLst>
             </a:blip>
@@ -30194,13 +30802,10 @@
             <p:nvPr/>
           </p:nvPicPr>
           <p:blipFill>
-            <a:blip r:embed="rId3">
+            <a:blip>
               <a:extLst>
                 <a:ext uri="{28A0092B-C50C-407E-A947-70E740481C1C}">
                   <a14:useLocalDpi xmlns:a14="http://schemas.microsoft.com/office/drawing/2010/main" val="0"/>
-                </a:ext>
-                <a:ext uri="{96DAC541-7B7A-43D3-8B79-37D633B846F1}">
-                  <asvg:svgBlip xmlns:asvg="http://schemas.microsoft.com/office/drawing/2016/SVG/main" r:embed="rId3"/>
                 </a:ext>
               </a:extLst>
             </a:blip>
@@ -30254,13 +30859,10 @@
             <p:nvPr/>
           </p:nvPicPr>
           <p:blipFill>
-            <a:blip r:embed="rId3">
+            <a:blip>
               <a:extLst>
                 <a:ext uri="{28A0092B-C50C-407E-A947-70E740481C1C}">
                   <a14:useLocalDpi xmlns:a14="http://schemas.microsoft.com/office/drawing/2010/main" val="0"/>
-                </a:ext>
-                <a:ext uri="{96DAC541-7B7A-43D3-8B79-37D633B846F1}">
-                  <asvg:svgBlip xmlns:asvg="http://schemas.microsoft.com/office/drawing/2016/SVG/main" r:embed="rId3"/>
                 </a:ext>
               </a:extLst>
             </a:blip>
@@ -30293,13 +30895,10 @@
             <p:nvPr/>
           </p:nvPicPr>
           <p:blipFill>
-            <a:blip r:embed="rId3">
+            <a:blip>
               <a:extLst>
                 <a:ext uri="{28A0092B-C50C-407E-A947-70E740481C1C}">
                   <a14:useLocalDpi xmlns:a14="http://schemas.microsoft.com/office/drawing/2010/main" val="0"/>
-                </a:ext>
-                <a:ext uri="{96DAC541-7B7A-43D3-8B79-37D633B846F1}">
-                  <asvg:svgBlip xmlns:asvg="http://schemas.microsoft.com/office/drawing/2016/SVG/main" r:embed="rId3"/>
                 </a:ext>
               </a:extLst>
             </a:blip>
@@ -30332,13 +30931,10 @@
             <p:nvPr/>
           </p:nvPicPr>
           <p:blipFill>
-            <a:blip r:embed="rId3">
+            <a:blip>
               <a:extLst>
                 <a:ext uri="{28A0092B-C50C-407E-A947-70E740481C1C}">
                   <a14:useLocalDpi xmlns:a14="http://schemas.microsoft.com/office/drawing/2010/main" val="0"/>
-                </a:ext>
-                <a:ext uri="{96DAC541-7B7A-43D3-8B79-37D633B846F1}">
-                  <asvg:svgBlip xmlns:asvg="http://schemas.microsoft.com/office/drawing/2016/SVG/main" r:embed="rId3"/>
                 </a:ext>
               </a:extLst>
             </a:blip>
@@ -30392,13 +30988,10 @@
             <p:nvPr/>
           </p:nvPicPr>
           <p:blipFill>
-            <a:blip r:embed="rId3">
+            <a:blip>
               <a:extLst>
                 <a:ext uri="{28A0092B-C50C-407E-A947-70E740481C1C}">
                   <a14:useLocalDpi xmlns:a14="http://schemas.microsoft.com/office/drawing/2010/main" val="0"/>
-                </a:ext>
-                <a:ext uri="{96DAC541-7B7A-43D3-8B79-37D633B846F1}">
-                  <asvg:svgBlip xmlns:asvg="http://schemas.microsoft.com/office/drawing/2016/SVG/main" r:embed="rId3"/>
                 </a:ext>
               </a:extLst>
             </a:blip>
@@ -30431,13 +31024,10 @@
             <p:nvPr/>
           </p:nvPicPr>
           <p:blipFill>
-            <a:blip r:embed="rId3">
+            <a:blip>
               <a:extLst>
                 <a:ext uri="{28A0092B-C50C-407E-A947-70E740481C1C}">
                   <a14:useLocalDpi xmlns:a14="http://schemas.microsoft.com/office/drawing/2010/main" val="0"/>
-                </a:ext>
-                <a:ext uri="{96DAC541-7B7A-43D3-8B79-37D633B846F1}">
-                  <asvg:svgBlip xmlns:asvg="http://schemas.microsoft.com/office/drawing/2016/SVG/main" r:embed="rId3"/>
                 </a:ext>
               </a:extLst>
             </a:blip>
@@ -30763,13 +31353,10 @@
             <p:nvPr/>
           </p:nvPicPr>
           <p:blipFill>
-            <a:blip r:embed="rId3">
+            <a:blip>
               <a:extLst>
                 <a:ext uri="{28A0092B-C50C-407E-A947-70E740481C1C}">
                   <a14:useLocalDpi xmlns:a14="http://schemas.microsoft.com/office/drawing/2010/main" val="0"/>
-                </a:ext>
-                <a:ext uri="{96DAC541-7B7A-43D3-8B79-37D633B846F1}">
-                  <asvg:svgBlip xmlns:asvg="http://schemas.microsoft.com/office/drawing/2016/SVG/main" r:embed="rId3"/>
                 </a:ext>
               </a:extLst>
             </a:blip>
@@ -30802,13 +31389,10 @@
             <p:nvPr/>
           </p:nvPicPr>
           <p:blipFill>
-            <a:blip r:embed="rId3">
+            <a:blip>
               <a:extLst>
                 <a:ext uri="{28A0092B-C50C-407E-A947-70E740481C1C}">
                   <a14:useLocalDpi xmlns:a14="http://schemas.microsoft.com/office/drawing/2010/main" val="0"/>
-                </a:ext>
-                <a:ext uri="{96DAC541-7B7A-43D3-8B79-37D633B846F1}">
-                  <asvg:svgBlip xmlns:asvg="http://schemas.microsoft.com/office/drawing/2016/SVG/main" r:embed="rId3"/>
                 </a:ext>
               </a:extLst>
             </a:blip>
@@ -30841,13 +31425,10 @@
             <p:nvPr/>
           </p:nvPicPr>
           <p:blipFill>
-            <a:blip r:embed="rId3">
+            <a:blip>
               <a:extLst>
                 <a:ext uri="{28A0092B-C50C-407E-A947-70E740481C1C}">
                   <a14:useLocalDpi xmlns:a14="http://schemas.microsoft.com/office/drawing/2010/main" val="0"/>
-                </a:ext>
-                <a:ext uri="{96DAC541-7B7A-43D3-8B79-37D633B846F1}">
-                  <asvg:svgBlip xmlns:asvg="http://schemas.microsoft.com/office/drawing/2016/SVG/main" r:embed="rId3"/>
                 </a:ext>
               </a:extLst>
             </a:blip>
@@ -30880,13 +31461,10 @@
             <p:nvPr/>
           </p:nvPicPr>
           <p:blipFill>
-            <a:blip r:embed="rId3">
+            <a:blip>
               <a:extLst>
                 <a:ext uri="{28A0092B-C50C-407E-A947-70E740481C1C}">
                   <a14:useLocalDpi xmlns:a14="http://schemas.microsoft.com/office/drawing/2010/main" val="0"/>
-                </a:ext>
-                <a:ext uri="{96DAC541-7B7A-43D3-8B79-37D633B846F1}">
-                  <asvg:svgBlip xmlns:asvg="http://schemas.microsoft.com/office/drawing/2016/SVG/main" r:embed="rId3"/>
                 </a:ext>
               </a:extLst>
             </a:blip>
@@ -30919,13 +31497,10 @@
             <p:nvPr/>
           </p:nvPicPr>
           <p:blipFill>
-            <a:blip r:embed="rId3">
+            <a:blip>
               <a:extLst>
                 <a:ext uri="{28A0092B-C50C-407E-A947-70E740481C1C}">
                   <a14:useLocalDpi xmlns:a14="http://schemas.microsoft.com/office/drawing/2010/main" val="0"/>
-                </a:ext>
-                <a:ext uri="{96DAC541-7B7A-43D3-8B79-37D633B846F1}">
-                  <asvg:svgBlip xmlns:asvg="http://schemas.microsoft.com/office/drawing/2016/SVG/main" r:embed="rId3"/>
                 </a:ext>
               </a:extLst>
             </a:blip>
@@ -30958,13 +31533,10 @@
             <p:nvPr/>
           </p:nvPicPr>
           <p:blipFill>
-            <a:blip r:embed="rId3">
+            <a:blip>
               <a:extLst>
                 <a:ext uri="{28A0092B-C50C-407E-A947-70E740481C1C}">
                   <a14:useLocalDpi xmlns:a14="http://schemas.microsoft.com/office/drawing/2010/main" val="0"/>
-                </a:ext>
-                <a:ext uri="{96DAC541-7B7A-43D3-8B79-37D633B846F1}">
-                  <asvg:svgBlip xmlns:asvg="http://schemas.microsoft.com/office/drawing/2016/SVG/main" r:embed="rId3"/>
                 </a:ext>
               </a:extLst>
             </a:blip>
@@ -30997,13 +31569,10 @@
             <p:nvPr/>
           </p:nvPicPr>
           <p:blipFill>
-            <a:blip r:embed="rId3">
+            <a:blip>
               <a:extLst>
                 <a:ext uri="{28A0092B-C50C-407E-A947-70E740481C1C}">
                   <a14:useLocalDpi xmlns:a14="http://schemas.microsoft.com/office/drawing/2010/main" val="0"/>
-                </a:ext>
-                <a:ext uri="{96DAC541-7B7A-43D3-8B79-37D633B846F1}">
-                  <asvg:svgBlip xmlns:asvg="http://schemas.microsoft.com/office/drawing/2016/SVG/main" r:embed="rId3"/>
                 </a:ext>
               </a:extLst>
             </a:blip>
@@ -31036,13 +31605,10 @@
             <p:nvPr/>
           </p:nvPicPr>
           <p:blipFill>
-            <a:blip r:embed="rId3">
+            <a:blip>
               <a:extLst>
                 <a:ext uri="{28A0092B-C50C-407E-A947-70E740481C1C}">
                   <a14:useLocalDpi xmlns:a14="http://schemas.microsoft.com/office/drawing/2010/main" val="0"/>
-                </a:ext>
-                <a:ext uri="{96DAC541-7B7A-43D3-8B79-37D633B846F1}">
-                  <asvg:svgBlip xmlns:asvg="http://schemas.microsoft.com/office/drawing/2016/SVG/main" r:embed="rId3"/>
                 </a:ext>
               </a:extLst>
             </a:blip>
@@ -31075,13 +31641,10 @@
             <p:nvPr/>
           </p:nvPicPr>
           <p:blipFill>
-            <a:blip r:embed="rId3">
+            <a:blip>
               <a:extLst>
                 <a:ext uri="{28A0092B-C50C-407E-A947-70E740481C1C}">
                   <a14:useLocalDpi xmlns:a14="http://schemas.microsoft.com/office/drawing/2010/main" val="0"/>
-                </a:ext>
-                <a:ext uri="{96DAC541-7B7A-43D3-8B79-37D633B846F1}">
-                  <asvg:svgBlip xmlns:asvg="http://schemas.microsoft.com/office/drawing/2016/SVG/main" r:embed="rId3"/>
                 </a:ext>
               </a:extLst>
             </a:blip>
@@ -31114,13 +31677,10 @@
             <p:nvPr/>
           </p:nvPicPr>
           <p:blipFill>
-            <a:blip r:embed="rId3">
+            <a:blip>
               <a:extLst>
                 <a:ext uri="{28A0092B-C50C-407E-A947-70E740481C1C}">
                   <a14:useLocalDpi xmlns:a14="http://schemas.microsoft.com/office/drawing/2010/main" val="0"/>
-                </a:ext>
-                <a:ext uri="{96DAC541-7B7A-43D3-8B79-37D633B846F1}">
-                  <asvg:svgBlip xmlns:asvg="http://schemas.microsoft.com/office/drawing/2016/SVG/main" r:embed="rId3"/>
                 </a:ext>
               </a:extLst>
             </a:blip>
@@ -31153,13 +31713,10 @@
             <p:nvPr/>
           </p:nvPicPr>
           <p:blipFill>
-            <a:blip r:embed="rId3">
+            <a:blip>
               <a:extLst>
                 <a:ext uri="{28A0092B-C50C-407E-A947-70E740481C1C}">
                   <a14:useLocalDpi xmlns:a14="http://schemas.microsoft.com/office/drawing/2010/main" val="0"/>
-                </a:ext>
-                <a:ext uri="{96DAC541-7B7A-43D3-8B79-37D633B846F1}">
-                  <asvg:svgBlip xmlns:asvg="http://schemas.microsoft.com/office/drawing/2016/SVG/main" r:embed="rId3"/>
                 </a:ext>
               </a:extLst>
             </a:blip>
@@ -31192,13 +31749,10 @@
             <p:nvPr/>
           </p:nvPicPr>
           <p:blipFill>
-            <a:blip r:embed="rId3">
+            <a:blip>
               <a:extLst>
                 <a:ext uri="{28A0092B-C50C-407E-A947-70E740481C1C}">
                   <a14:useLocalDpi xmlns:a14="http://schemas.microsoft.com/office/drawing/2010/main" val="0"/>
-                </a:ext>
-                <a:ext uri="{96DAC541-7B7A-43D3-8B79-37D633B846F1}">
-                  <asvg:svgBlip xmlns:asvg="http://schemas.microsoft.com/office/drawing/2016/SVG/main" r:embed="rId3"/>
                 </a:ext>
               </a:extLst>
             </a:blip>
@@ -31252,13 +31806,10 @@
             <p:nvPr/>
           </p:nvPicPr>
           <p:blipFill>
-            <a:blip r:embed="rId3">
+            <a:blip>
               <a:extLst>
                 <a:ext uri="{28A0092B-C50C-407E-A947-70E740481C1C}">
                   <a14:useLocalDpi xmlns:a14="http://schemas.microsoft.com/office/drawing/2010/main" val="0"/>
-                </a:ext>
-                <a:ext uri="{96DAC541-7B7A-43D3-8B79-37D633B846F1}">
-                  <asvg:svgBlip xmlns:asvg="http://schemas.microsoft.com/office/drawing/2016/SVG/main" r:embed="rId3"/>
                 </a:ext>
               </a:extLst>
             </a:blip>
@@ -31291,13 +31842,10 @@
             <p:nvPr/>
           </p:nvPicPr>
           <p:blipFill>
-            <a:blip r:embed="rId3">
+            <a:blip>
               <a:extLst>
                 <a:ext uri="{28A0092B-C50C-407E-A947-70E740481C1C}">
                   <a14:useLocalDpi xmlns:a14="http://schemas.microsoft.com/office/drawing/2010/main" val="0"/>
-                </a:ext>
-                <a:ext uri="{96DAC541-7B7A-43D3-8B79-37D633B846F1}">
-                  <asvg:svgBlip xmlns:asvg="http://schemas.microsoft.com/office/drawing/2016/SVG/main" r:embed="rId3"/>
                 </a:ext>
               </a:extLst>
             </a:blip>
@@ -31330,13 +31878,10 @@
             <p:nvPr/>
           </p:nvPicPr>
           <p:blipFill>
-            <a:blip r:embed="rId3">
+            <a:blip>
               <a:extLst>
                 <a:ext uri="{28A0092B-C50C-407E-A947-70E740481C1C}">
                   <a14:useLocalDpi xmlns:a14="http://schemas.microsoft.com/office/drawing/2010/main" val="0"/>
-                </a:ext>
-                <a:ext uri="{96DAC541-7B7A-43D3-8B79-37D633B846F1}">
-                  <asvg:svgBlip xmlns:asvg="http://schemas.microsoft.com/office/drawing/2016/SVG/main" r:embed="rId3"/>
                 </a:ext>
               </a:extLst>
             </a:blip>
@@ -31369,13 +31914,10 @@
             <p:nvPr/>
           </p:nvPicPr>
           <p:blipFill>
-            <a:blip r:embed="rId3">
+            <a:blip>
               <a:extLst>
                 <a:ext uri="{28A0092B-C50C-407E-A947-70E740481C1C}">
                   <a14:useLocalDpi xmlns:a14="http://schemas.microsoft.com/office/drawing/2010/main" val="0"/>
-                </a:ext>
-                <a:ext uri="{96DAC541-7B7A-43D3-8B79-37D633B846F1}">
-                  <asvg:svgBlip xmlns:asvg="http://schemas.microsoft.com/office/drawing/2016/SVG/main" r:embed="rId3"/>
                 </a:ext>
               </a:extLst>
             </a:blip>
@@ -31408,13 +31950,10 @@
             <p:nvPr/>
           </p:nvPicPr>
           <p:blipFill>
-            <a:blip r:embed="rId3">
+            <a:blip>
               <a:extLst>
                 <a:ext uri="{28A0092B-C50C-407E-A947-70E740481C1C}">
                   <a14:useLocalDpi xmlns:a14="http://schemas.microsoft.com/office/drawing/2010/main" val="0"/>
-                </a:ext>
-                <a:ext uri="{96DAC541-7B7A-43D3-8B79-37D633B846F1}">
-                  <asvg:svgBlip xmlns:asvg="http://schemas.microsoft.com/office/drawing/2016/SVG/main" r:embed="rId3"/>
                 </a:ext>
               </a:extLst>
             </a:blip>
@@ -31468,13 +32007,10 @@
             <p:nvPr/>
           </p:nvPicPr>
           <p:blipFill>
-            <a:blip r:embed="rId3">
+            <a:blip>
               <a:extLst>
                 <a:ext uri="{28A0092B-C50C-407E-A947-70E740481C1C}">
                   <a14:useLocalDpi xmlns:a14="http://schemas.microsoft.com/office/drawing/2010/main" val="0"/>
-                </a:ext>
-                <a:ext uri="{96DAC541-7B7A-43D3-8B79-37D633B846F1}">
-                  <asvg:svgBlip xmlns:asvg="http://schemas.microsoft.com/office/drawing/2016/SVG/main" r:embed="rId3"/>
                 </a:ext>
               </a:extLst>
             </a:blip>
@@ -31507,13 +32043,10 @@
             <p:nvPr/>
           </p:nvPicPr>
           <p:blipFill>
-            <a:blip r:embed="rId3">
+            <a:blip>
               <a:extLst>
                 <a:ext uri="{28A0092B-C50C-407E-A947-70E740481C1C}">
                   <a14:useLocalDpi xmlns:a14="http://schemas.microsoft.com/office/drawing/2010/main" val="0"/>
-                </a:ext>
-                <a:ext uri="{96DAC541-7B7A-43D3-8B79-37D633B846F1}">
-                  <asvg:svgBlip xmlns:asvg="http://schemas.microsoft.com/office/drawing/2016/SVG/main" r:embed="rId3"/>
                 </a:ext>
               </a:extLst>
             </a:blip>
@@ -31546,13 +32079,10 @@
             <p:nvPr/>
           </p:nvPicPr>
           <p:blipFill>
-            <a:blip r:embed="rId3">
+            <a:blip>
               <a:extLst>
                 <a:ext uri="{28A0092B-C50C-407E-A947-70E740481C1C}">
                   <a14:useLocalDpi xmlns:a14="http://schemas.microsoft.com/office/drawing/2010/main" val="0"/>
-                </a:ext>
-                <a:ext uri="{96DAC541-7B7A-43D3-8B79-37D633B846F1}">
-                  <asvg:svgBlip xmlns:asvg="http://schemas.microsoft.com/office/drawing/2016/SVG/main" r:embed="rId3"/>
                 </a:ext>
               </a:extLst>
             </a:blip>
@@ -31606,13 +32136,10 @@
             <p:nvPr/>
           </p:nvPicPr>
           <p:blipFill>
-            <a:blip r:embed="rId3">
+            <a:blip>
               <a:extLst>
                 <a:ext uri="{28A0092B-C50C-407E-A947-70E740481C1C}">
                   <a14:useLocalDpi xmlns:a14="http://schemas.microsoft.com/office/drawing/2010/main" val="0"/>
-                </a:ext>
-                <a:ext uri="{96DAC541-7B7A-43D3-8B79-37D633B846F1}">
-                  <asvg:svgBlip xmlns:asvg="http://schemas.microsoft.com/office/drawing/2016/SVG/main" r:embed="rId3"/>
                 </a:ext>
               </a:extLst>
             </a:blip>
@@ -31645,13 +32172,10 @@
             <p:nvPr/>
           </p:nvPicPr>
           <p:blipFill>
-            <a:blip r:embed="rId3">
+            <a:blip>
               <a:extLst>
                 <a:ext uri="{28A0092B-C50C-407E-A947-70E740481C1C}">
                   <a14:useLocalDpi xmlns:a14="http://schemas.microsoft.com/office/drawing/2010/main" val="0"/>
-                </a:ext>
-                <a:ext uri="{96DAC541-7B7A-43D3-8B79-37D633B846F1}">
-                  <asvg:svgBlip xmlns:asvg="http://schemas.microsoft.com/office/drawing/2016/SVG/main" r:embed="rId3"/>
                 </a:ext>
               </a:extLst>
             </a:blip>
@@ -31739,13 +32263,10 @@
           <p:nvPr/>
         </p:nvPicPr>
         <p:blipFill>
-          <a:blip r:embed="rId3">
+          <a:blip>
             <a:extLst>
               <a:ext uri="{28A0092B-C50C-407E-A947-70E740481C1C}">
                 <a14:useLocalDpi xmlns:a14="http://schemas.microsoft.com/office/drawing/2010/main" val="0"/>
-              </a:ext>
-              <a:ext uri="{96DAC541-7B7A-43D3-8B79-37D633B846F1}">
-                <asvg:svgBlip xmlns:asvg="http://schemas.microsoft.com/office/drawing/2016/SVG/main" r:embed="rId3"/>
               </a:ext>
             </a:extLst>
           </a:blip>
